--- a/ppt 16-9/0849.两个主.pptx
+++ b/ppt 16-9/0849.两个主.pptx
@@ -5,7 +5,7 @@
     <p:sldMasterId id="2147483648" r:id="rId1"/>
   </p:sldMasterIdLst>
   <p:sldIdLst>
-    <p:sldId id="2147" r:id="rId2"/>
+    <p:sldId id="2149" r:id="rId2"/>
   </p:sldIdLst>
   <p:sldSz cx="12192000" cy="6858000"/>
   <p:notesSz cx="6858000" cy="9144000"/>
@@ -129,7 +129,7 @@
           <p:cNvPr id="2" name="标题 1">
             <a:extLst>
               <a:ext uri="{FF2B5EF4-FFF2-40B4-BE49-F238E27FC236}">
-                <a16:creationId xmlns:a16="http://schemas.microsoft.com/office/drawing/2014/main" id="{75580311-40BF-031C-3A5F-59408DE19268}"/>
+                <a16:creationId xmlns:a16="http://schemas.microsoft.com/office/drawing/2014/main" id="{F21BF71F-E973-D18E-D493-A351F97A6294}"/>
               </a:ext>
             </a:extLst>
           </p:cNvPr>
@@ -166,7 +166,7 @@
           <p:cNvPr id="3" name="副标题 2">
             <a:extLst>
               <a:ext uri="{FF2B5EF4-FFF2-40B4-BE49-F238E27FC236}">
-                <a16:creationId xmlns:a16="http://schemas.microsoft.com/office/drawing/2014/main" id="{6C3F70B7-45D0-D2D2-0C11-7A109B9FBF2D}"/>
+                <a16:creationId xmlns:a16="http://schemas.microsoft.com/office/drawing/2014/main" id="{7F24BB51-EC6C-3CC0-EAC6-3F17937AE129}"/>
               </a:ext>
             </a:extLst>
           </p:cNvPr>
@@ -236,7 +236,7 @@
           <p:cNvPr id="4" name="日期占位符 3">
             <a:extLst>
               <a:ext uri="{FF2B5EF4-FFF2-40B4-BE49-F238E27FC236}">
-                <a16:creationId xmlns:a16="http://schemas.microsoft.com/office/drawing/2014/main" id="{48E065A9-1F1F-46B5-ADF5-AEC97F285D77}"/>
+                <a16:creationId xmlns:a16="http://schemas.microsoft.com/office/drawing/2014/main" id="{E0F633EF-7050-19CF-82EA-7FB45719C4CF}"/>
               </a:ext>
             </a:extLst>
           </p:cNvPr>
@@ -252,7 +252,7 @@
           <a:bodyPr/>
           <a:lstStyle/>
           <a:p>
-            <a:fld id="{FEA857D8-5CD2-4C92-A86D-493E41E57670}" type="datetimeFigureOut">
+            <a:fld id="{E7C6ADCF-9A57-40C4-891B-DA37B1B1CEB4}" type="datetimeFigureOut">
               <a:rPr lang="zh-CN" altLang="en-US" smtClean="0"/>
               <a:t>2024/3/10</a:t>
             </a:fld>
@@ -265,7 +265,7 @@
           <p:cNvPr id="5" name="页脚占位符 4">
             <a:extLst>
               <a:ext uri="{FF2B5EF4-FFF2-40B4-BE49-F238E27FC236}">
-                <a16:creationId xmlns:a16="http://schemas.microsoft.com/office/drawing/2014/main" id="{BA64F5D0-FF7F-3DB3-516F-DB8D790C9957}"/>
+                <a16:creationId xmlns:a16="http://schemas.microsoft.com/office/drawing/2014/main" id="{ACF589B8-44A2-A88D-4AAF-07E55C5D3D64}"/>
               </a:ext>
             </a:extLst>
           </p:cNvPr>
@@ -290,7 +290,7 @@
           <p:cNvPr id="6" name="灯片编号占位符 5">
             <a:extLst>
               <a:ext uri="{FF2B5EF4-FFF2-40B4-BE49-F238E27FC236}">
-                <a16:creationId xmlns:a16="http://schemas.microsoft.com/office/drawing/2014/main" id="{C1C2EE1C-4453-FBD0-7D13-3C62D126A801}"/>
+                <a16:creationId xmlns:a16="http://schemas.microsoft.com/office/drawing/2014/main" id="{2720F383-4249-59E5-AF58-8621A58F09AA}"/>
               </a:ext>
             </a:extLst>
           </p:cNvPr>
@@ -306,7 +306,7 @@
           <a:bodyPr/>
           <a:lstStyle/>
           <a:p>
-            <a:fld id="{CCDA81FF-3ECD-419C-A090-3155376DE690}" type="slidenum">
+            <a:fld id="{A75673DD-E884-4700-919C-43A3AD21E457}" type="slidenum">
               <a:rPr lang="zh-CN" altLang="en-US" smtClean="0"/>
               <a:t>‹#›</a:t>
             </a:fld>
@@ -317,7 +317,7 @@
     </p:spTree>
     <p:extLst>
       <p:ext uri="{BB962C8B-B14F-4D97-AF65-F5344CB8AC3E}">
-        <p14:creationId xmlns:p14="http://schemas.microsoft.com/office/powerpoint/2010/main" val="1289041128"/>
+        <p14:creationId xmlns:p14="http://schemas.microsoft.com/office/powerpoint/2010/main" val="4030198226"/>
       </p:ext>
     </p:extLst>
   </p:cSld>
@@ -349,7 +349,7 @@
           <p:cNvPr id="2" name="标题 1">
             <a:extLst>
               <a:ext uri="{FF2B5EF4-FFF2-40B4-BE49-F238E27FC236}">
-                <a16:creationId xmlns:a16="http://schemas.microsoft.com/office/drawing/2014/main" id="{A26C5139-69EA-09A3-3439-CE25DC63EC53}"/>
+                <a16:creationId xmlns:a16="http://schemas.microsoft.com/office/drawing/2014/main" id="{4AE2CD98-CB9B-61DA-9866-AE539C7DCF32}"/>
               </a:ext>
             </a:extLst>
           </p:cNvPr>
@@ -377,7 +377,7 @@
           <p:cNvPr id="3" name="竖排文字占位符 2">
             <a:extLst>
               <a:ext uri="{FF2B5EF4-FFF2-40B4-BE49-F238E27FC236}">
-                <a16:creationId xmlns:a16="http://schemas.microsoft.com/office/drawing/2014/main" id="{8FBCBDA7-2664-8AB9-C751-61BB7C33D1F2}"/>
+                <a16:creationId xmlns:a16="http://schemas.microsoft.com/office/drawing/2014/main" id="{5E53C15E-D3EE-6E73-1CD3-DB87CE06F564}"/>
               </a:ext>
             </a:extLst>
           </p:cNvPr>
@@ -434,7 +434,7 @@
           <p:cNvPr id="4" name="日期占位符 3">
             <a:extLst>
               <a:ext uri="{FF2B5EF4-FFF2-40B4-BE49-F238E27FC236}">
-                <a16:creationId xmlns:a16="http://schemas.microsoft.com/office/drawing/2014/main" id="{87C26A5B-DF02-AB1E-E26A-2A47E3E0CF1B}"/>
+                <a16:creationId xmlns:a16="http://schemas.microsoft.com/office/drawing/2014/main" id="{2E465F91-E018-20E5-9CE5-3E5B24A4D1F3}"/>
               </a:ext>
             </a:extLst>
           </p:cNvPr>
@@ -450,7 +450,7 @@
           <a:bodyPr/>
           <a:lstStyle/>
           <a:p>
-            <a:fld id="{FEA857D8-5CD2-4C92-A86D-493E41E57670}" type="datetimeFigureOut">
+            <a:fld id="{E7C6ADCF-9A57-40C4-891B-DA37B1B1CEB4}" type="datetimeFigureOut">
               <a:rPr lang="zh-CN" altLang="en-US" smtClean="0"/>
               <a:t>2024/3/10</a:t>
             </a:fld>
@@ -463,7 +463,7 @@
           <p:cNvPr id="5" name="页脚占位符 4">
             <a:extLst>
               <a:ext uri="{FF2B5EF4-FFF2-40B4-BE49-F238E27FC236}">
-                <a16:creationId xmlns:a16="http://schemas.microsoft.com/office/drawing/2014/main" id="{B9601CBE-6FE5-78C4-6A2F-F3773AD4FE36}"/>
+                <a16:creationId xmlns:a16="http://schemas.microsoft.com/office/drawing/2014/main" id="{57116BDD-0FF1-9142-C9E2-B1ACAA9C0693}"/>
               </a:ext>
             </a:extLst>
           </p:cNvPr>
@@ -488,7 +488,7 @@
           <p:cNvPr id="6" name="灯片编号占位符 5">
             <a:extLst>
               <a:ext uri="{FF2B5EF4-FFF2-40B4-BE49-F238E27FC236}">
-                <a16:creationId xmlns:a16="http://schemas.microsoft.com/office/drawing/2014/main" id="{ECB2CCD7-188A-9660-9234-038456B6193A}"/>
+                <a16:creationId xmlns:a16="http://schemas.microsoft.com/office/drawing/2014/main" id="{EB52168B-063A-B6D7-06DB-9BE1DF3E7D83}"/>
               </a:ext>
             </a:extLst>
           </p:cNvPr>
@@ -504,7 +504,7 @@
           <a:bodyPr/>
           <a:lstStyle/>
           <a:p>
-            <a:fld id="{CCDA81FF-3ECD-419C-A090-3155376DE690}" type="slidenum">
+            <a:fld id="{A75673DD-E884-4700-919C-43A3AD21E457}" type="slidenum">
               <a:rPr lang="zh-CN" altLang="en-US" smtClean="0"/>
               <a:t>‹#›</a:t>
             </a:fld>
@@ -515,7 +515,7 @@
     </p:spTree>
     <p:extLst>
       <p:ext uri="{BB962C8B-B14F-4D97-AF65-F5344CB8AC3E}">
-        <p14:creationId xmlns:p14="http://schemas.microsoft.com/office/powerpoint/2010/main" val="3425749425"/>
+        <p14:creationId xmlns:p14="http://schemas.microsoft.com/office/powerpoint/2010/main" val="1954733832"/>
       </p:ext>
     </p:extLst>
   </p:cSld>
@@ -547,7 +547,7 @@
           <p:cNvPr id="2" name="竖排标题 1">
             <a:extLst>
               <a:ext uri="{FF2B5EF4-FFF2-40B4-BE49-F238E27FC236}">
-                <a16:creationId xmlns:a16="http://schemas.microsoft.com/office/drawing/2014/main" id="{98968D7F-D95D-4C2B-96E5-FA74EBEBCA4E}"/>
+                <a16:creationId xmlns:a16="http://schemas.microsoft.com/office/drawing/2014/main" id="{C9EBE5E7-A4B2-88C0-E84B-88F2FF8AEBA7}"/>
               </a:ext>
             </a:extLst>
           </p:cNvPr>
@@ -580,7 +580,7 @@
           <p:cNvPr id="3" name="竖排文字占位符 2">
             <a:extLst>
               <a:ext uri="{FF2B5EF4-FFF2-40B4-BE49-F238E27FC236}">
-                <a16:creationId xmlns:a16="http://schemas.microsoft.com/office/drawing/2014/main" id="{7FCB547C-9E07-46F7-CA32-3BE9F421C913}"/>
+                <a16:creationId xmlns:a16="http://schemas.microsoft.com/office/drawing/2014/main" id="{7E7C3235-CE9E-7877-AF62-F977837B8455}"/>
               </a:ext>
             </a:extLst>
           </p:cNvPr>
@@ -642,7 +642,7 @@
           <p:cNvPr id="4" name="日期占位符 3">
             <a:extLst>
               <a:ext uri="{FF2B5EF4-FFF2-40B4-BE49-F238E27FC236}">
-                <a16:creationId xmlns:a16="http://schemas.microsoft.com/office/drawing/2014/main" id="{FD0E34B6-9FEA-27DE-F005-921EEAD160B6}"/>
+                <a16:creationId xmlns:a16="http://schemas.microsoft.com/office/drawing/2014/main" id="{950AB81B-D074-C9D9-19CE-EE8D199407AB}"/>
               </a:ext>
             </a:extLst>
           </p:cNvPr>
@@ -658,7 +658,7 @@
           <a:bodyPr/>
           <a:lstStyle/>
           <a:p>
-            <a:fld id="{FEA857D8-5CD2-4C92-A86D-493E41E57670}" type="datetimeFigureOut">
+            <a:fld id="{E7C6ADCF-9A57-40C4-891B-DA37B1B1CEB4}" type="datetimeFigureOut">
               <a:rPr lang="zh-CN" altLang="en-US" smtClean="0"/>
               <a:t>2024/3/10</a:t>
             </a:fld>
@@ -671,7 +671,7 @@
           <p:cNvPr id="5" name="页脚占位符 4">
             <a:extLst>
               <a:ext uri="{FF2B5EF4-FFF2-40B4-BE49-F238E27FC236}">
-                <a16:creationId xmlns:a16="http://schemas.microsoft.com/office/drawing/2014/main" id="{08CD60C7-18D9-0779-D92E-F08831EF06FE}"/>
+                <a16:creationId xmlns:a16="http://schemas.microsoft.com/office/drawing/2014/main" id="{034E983D-92A6-34DB-A76E-1134BF49FC4A}"/>
               </a:ext>
             </a:extLst>
           </p:cNvPr>
@@ -696,7 +696,7 @@
           <p:cNvPr id="6" name="灯片编号占位符 5">
             <a:extLst>
               <a:ext uri="{FF2B5EF4-FFF2-40B4-BE49-F238E27FC236}">
-                <a16:creationId xmlns:a16="http://schemas.microsoft.com/office/drawing/2014/main" id="{79C2497E-CAC8-5DF6-5EAE-16D8724B2720}"/>
+                <a16:creationId xmlns:a16="http://schemas.microsoft.com/office/drawing/2014/main" id="{C205952A-7EDE-BF93-E8F9-72812C04462E}"/>
               </a:ext>
             </a:extLst>
           </p:cNvPr>
@@ -712,7 +712,7 @@
           <a:bodyPr/>
           <a:lstStyle/>
           <a:p>
-            <a:fld id="{CCDA81FF-3ECD-419C-A090-3155376DE690}" type="slidenum">
+            <a:fld id="{A75673DD-E884-4700-919C-43A3AD21E457}" type="slidenum">
               <a:rPr lang="zh-CN" altLang="en-US" smtClean="0"/>
               <a:t>‹#›</a:t>
             </a:fld>
@@ -723,7 +723,7 @@
     </p:spTree>
     <p:extLst>
       <p:ext uri="{BB962C8B-B14F-4D97-AF65-F5344CB8AC3E}">
-        <p14:creationId xmlns:p14="http://schemas.microsoft.com/office/powerpoint/2010/main" val="999408996"/>
+        <p14:creationId xmlns:p14="http://schemas.microsoft.com/office/powerpoint/2010/main" val="1530348976"/>
       </p:ext>
     </p:extLst>
   </p:cSld>
@@ -755,7 +755,7 @@
           <p:cNvPr id="2" name="标题 1">
             <a:extLst>
               <a:ext uri="{FF2B5EF4-FFF2-40B4-BE49-F238E27FC236}">
-                <a16:creationId xmlns:a16="http://schemas.microsoft.com/office/drawing/2014/main" id="{127C8DCB-9DA8-1839-D279-F0D69FC26DD5}"/>
+                <a16:creationId xmlns:a16="http://schemas.microsoft.com/office/drawing/2014/main" id="{21FA1532-FF88-38C9-97F8-6C83CD11A0BE}"/>
               </a:ext>
             </a:extLst>
           </p:cNvPr>
@@ -783,7 +783,7 @@
           <p:cNvPr id="3" name="内容占位符 2">
             <a:extLst>
               <a:ext uri="{FF2B5EF4-FFF2-40B4-BE49-F238E27FC236}">
-                <a16:creationId xmlns:a16="http://schemas.microsoft.com/office/drawing/2014/main" id="{8FA5124F-001E-C68A-3321-05ADAEB4B7D4}"/>
+                <a16:creationId xmlns:a16="http://schemas.microsoft.com/office/drawing/2014/main" id="{0D54FAD4-840C-EB3F-54E8-13D9F196FB7E}"/>
               </a:ext>
             </a:extLst>
           </p:cNvPr>
@@ -840,7 +840,7 @@
           <p:cNvPr id="4" name="日期占位符 3">
             <a:extLst>
               <a:ext uri="{FF2B5EF4-FFF2-40B4-BE49-F238E27FC236}">
-                <a16:creationId xmlns:a16="http://schemas.microsoft.com/office/drawing/2014/main" id="{F8484C9C-4BAB-8F73-EE15-5AD1176A0B23}"/>
+                <a16:creationId xmlns:a16="http://schemas.microsoft.com/office/drawing/2014/main" id="{E3CEF038-E394-AE27-3121-EE74F7BF7BE9}"/>
               </a:ext>
             </a:extLst>
           </p:cNvPr>
@@ -856,7 +856,7 @@
           <a:bodyPr/>
           <a:lstStyle/>
           <a:p>
-            <a:fld id="{FEA857D8-5CD2-4C92-A86D-493E41E57670}" type="datetimeFigureOut">
+            <a:fld id="{E7C6ADCF-9A57-40C4-891B-DA37B1B1CEB4}" type="datetimeFigureOut">
               <a:rPr lang="zh-CN" altLang="en-US" smtClean="0"/>
               <a:t>2024/3/10</a:t>
             </a:fld>
@@ -869,7 +869,7 @@
           <p:cNvPr id="5" name="页脚占位符 4">
             <a:extLst>
               <a:ext uri="{FF2B5EF4-FFF2-40B4-BE49-F238E27FC236}">
-                <a16:creationId xmlns:a16="http://schemas.microsoft.com/office/drawing/2014/main" id="{9E86CFB9-97A7-45FD-720C-BD0520650E80}"/>
+                <a16:creationId xmlns:a16="http://schemas.microsoft.com/office/drawing/2014/main" id="{C6281AB1-D728-0F70-F46A-49C624260054}"/>
               </a:ext>
             </a:extLst>
           </p:cNvPr>
@@ -894,7 +894,7 @@
           <p:cNvPr id="6" name="灯片编号占位符 5">
             <a:extLst>
               <a:ext uri="{FF2B5EF4-FFF2-40B4-BE49-F238E27FC236}">
-                <a16:creationId xmlns:a16="http://schemas.microsoft.com/office/drawing/2014/main" id="{D05EE5AF-A09A-0782-D676-3EF5D112020B}"/>
+                <a16:creationId xmlns:a16="http://schemas.microsoft.com/office/drawing/2014/main" id="{78AE5FAB-2592-EB66-C41A-90ADB1BF21FC}"/>
               </a:ext>
             </a:extLst>
           </p:cNvPr>
@@ -910,7 +910,7 @@
           <a:bodyPr/>
           <a:lstStyle/>
           <a:p>
-            <a:fld id="{CCDA81FF-3ECD-419C-A090-3155376DE690}" type="slidenum">
+            <a:fld id="{A75673DD-E884-4700-919C-43A3AD21E457}" type="slidenum">
               <a:rPr lang="zh-CN" altLang="en-US" smtClean="0"/>
               <a:t>‹#›</a:t>
             </a:fld>
@@ -921,7 +921,7 @@
     </p:spTree>
     <p:extLst>
       <p:ext uri="{BB962C8B-B14F-4D97-AF65-F5344CB8AC3E}">
-        <p14:creationId xmlns:p14="http://schemas.microsoft.com/office/powerpoint/2010/main" val="2239990963"/>
+        <p14:creationId xmlns:p14="http://schemas.microsoft.com/office/powerpoint/2010/main" val="4265177274"/>
       </p:ext>
     </p:extLst>
   </p:cSld>
@@ -953,7 +953,7 @@
           <p:cNvPr id="2" name="标题 1">
             <a:extLst>
               <a:ext uri="{FF2B5EF4-FFF2-40B4-BE49-F238E27FC236}">
-                <a16:creationId xmlns:a16="http://schemas.microsoft.com/office/drawing/2014/main" id="{3767AB77-8136-3166-7956-8084DDBECECE}"/>
+                <a16:creationId xmlns:a16="http://schemas.microsoft.com/office/drawing/2014/main" id="{D5005F64-80A9-F042-FCD1-935E2AD2FBBB}"/>
               </a:ext>
             </a:extLst>
           </p:cNvPr>
@@ -990,7 +990,7 @@
           <p:cNvPr id="3" name="文本占位符 2">
             <a:extLst>
               <a:ext uri="{FF2B5EF4-FFF2-40B4-BE49-F238E27FC236}">
-                <a16:creationId xmlns:a16="http://schemas.microsoft.com/office/drawing/2014/main" id="{BE3DAF0B-E16C-2425-83AD-B8FA2A985AC7}"/>
+                <a16:creationId xmlns:a16="http://schemas.microsoft.com/office/drawing/2014/main" id="{82E90DD8-0D19-7896-AD88-F071A6B6ACF9}"/>
               </a:ext>
             </a:extLst>
           </p:cNvPr>
@@ -1115,7 +1115,7 @@
           <p:cNvPr id="4" name="日期占位符 3">
             <a:extLst>
               <a:ext uri="{FF2B5EF4-FFF2-40B4-BE49-F238E27FC236}">
-                <a16:creationId xmlns:a16="http://schemas.microsoft.com/office/drawing/2014/main" id="{BE5ACB37-DB73-EFF7-FD09-28223072DF4C}"/>
+                <a16:creationId xmlns:a16="http://schemas.microsoft.com/office/drawing/2014/main" id="{A753C668-259C-589F-E029-98F77AC41DA8}"/>
               </a:ext>
             </a:extLst>
           </p:cNvPr>
@@ -1131,7 +1131,7 @@
           <a:bodyPr/>
           <a:lstStyle/>
           <a:p>
-            <a:fld id="{FEA857D8-5CD2-4C92-A86D-493E41E57670}" type="datetimeFigureOut">
+            <a:fld id="{E7C6ADCF-9A57-40C4-891B-DA37B1B1CEB4}" type="datetimeFigureOut">
               <a:rPr lang="zh-CN" altLang="en-US" smtClean="0"/>
               <a:t>2024/3/10</a:t>
             </a:fld>
@@ -1144,7 +1144,7 @@
           <p:cNvPr id="5" name="页脚占位符 4">
             <a:extLst>
               <a:ext uri="{FF2B5EF4-FFF2-40B4-BE49-F238E27FC236}">
-                <a16:creationId xmlns:a16="http://schemas.microsoft.com/office/drawing/2014/main" id="{98ED166B-A667-7767-72D3-8C437AFCFA00}"/>
+                <a16:creationId xmlns:a16="http://schemas.microsoft.com/office/drawing/2014/main" id="{7ED4F4E7-BEAC-8301-A578-506D4A2CF886}"/>
               </a:ext>
             </a:extLst>
           </p:cNvPr>
@@ -1169,7 +1169,7 @@
           <p:cNvPr id="6" name="灯片编号占位符 5">
             <a:extLst>
               <a:ext uri="{FF2B5EF4-FFF2-40B4-BE49-F238E27FC236}">
-                <a16:creationId xmlns:a16="http://schemas.microsoft.com/office/drawing/2014/main" id="{3AA33D1C-E341-8279-5D01-2304B03A7069}"/>
+                <a16:creationId xmlns:a16="http://schemas.microsoft.com/office/drawing/2014/main" id="{B58DC932-D353-D732-F840-80861A6410AC}"/>
               </a:ext>
             </a:extLst>
           </p:cNvPr>
@@ -1185,7 +1185,7 @@
           <a:bodyPr/>
           <a:lstStyle/>
           <a:p>
-            <a:fld id="{CCDA81FF-3ECD-419C-A090-3155376DE690}" type="slidenum">
+            <a:fld id="{A75673DD-E884-4700-919C-43A3AD21E457}" type="slidenum">
               <a:rPr lang="zh-CN" altLang="en-US" smtClean="0"/>
               <a:t>‹#›</a:t>
             </a:fld>
@@ -1196,7 +1196,7 @@
     </p:spTree>
     <p:extLst>
       <p:ext uri="{BB962C8B-B14F-4D97-AF65-F5344CB8AC3E}">
-        <p14:creationId xmlns:p14="http://schemas.microsoft.com/office/powerpoint/2010/main" val="2097509646"/>
+        <p14:creationId xmlns:p14="http://schemas.microsoft.com/office/powerpoint/2010/main" val="1543107656"/>
       </p:ext>
     </p:extLst>
   </p:cSld>
@@ -1228,7 +1228,7 @@
           <p:cNvPr id="2" name="标题 1">
             <a:extLst>
               <a:ext uri="{FF2B5EF4-FFF2-40B4-BE49-F238E27FC236}">
-                <a16:creationId xmlns:a16="http://schemas.microsoft.com/office/drawing/2014/main" id="{7F366668-0027-BD4F-ECA1-588D042946EB}"/>
+                <a16:creationId xmlns:a16="http://schemas.microsoft.com/office/drawing/2014/main" id="{6972A8D0-9863-1E23-E6B6-8516628A3442}"/>
               </a:ext>
             </a:extLst>
           </p:cNvPr>
@@ -1256,7 +1256,7 @@
           <p:cNvPr id="3" name="内容占位符 2">
             <a:extLst>
               <a:ext uri="{FF2B5EF4-FFF2-40B4-BE49-F238E27FC236}">
-                <a16:creationId xmlns:a16="http://schemas.microsoft.com/office/drawing/2014/main" id="{7CB2C67D-4196-0B54-AC3B-A0EC328705C8}"/>
+                <a16:creationId xmlns:a16="http://schemas.microsoft.com/office/drawing/2014/main" id="{7C3DC1FF-2A56-67CF-CF11-AB5BEEDE7046}"/>
               </a:ext>
             </a:extLst>
           </p:cNvPr>
@@ -1318,7 +1318,7 @@
           <p:cNvPr id="4" name="内容占位符 3">
             <a:extLst>
               <a:ext uri="{FF2B5EF4-FFF2-40B4-BE49-F238E27FC236}">
-                <a16:creationId xmlns:a16="http://schemas.microsoft.com/office/drawing/2014/main" id="{4DCED33C-AE3D-1343-7B5A-AED8A71CBBB1}"/>
+                <a16:creationId xmlns:a16="http://schemas.microsoft.com/office/drawing/2014/main" id="{42ED833F-892D-15C6-0253-C55D6567850E}"/>
               </a:ext>
             </a:extLst>
           </p:cNvPr>
@@ -1380,7 +1380,7 @@
           <p:cNvPr id="5" name="日期占位符 4">
             <a:extLst>
               <a:ext uri="{FF2B5EF4-FFF2-40B4-BE49-F238E27FC236}">
-                <a16:creationId xmlns:a16="http://schemas.microsoft.com/office/drawing/2014/main" id="{104DA25C-55A0-2D5B-8084-6FD016317071}"/>
+                <a16:creationId xmlns:a16="http://schemas.microsoft.com/office/drawing/2014/main" id="{3F99645F-10FD-F936-9112-72E8072657B6}"/>
               </a:ext>
             </a:extLst>
           </p:cNvPr>
@@ -1396,7 +1396,7 @@
           <a:bodyPr/>
           <a:lstStyle/>
           <a:p>
-            <a:fld id="{FEA857D8-5CD2-4C92-A86D-493E41E57670}" type="datetimeFigureOut">
+            <a:fld id="{E7C6ADCF-9A57-40C4-891B-DA37B1B1CEB4}" type="datetimeFigureOut">
               <a:rPr lang="zh-CN" altLang="en-US" smtClean="0"/>
               <a:t>2024/3/10</a:t>
             </a:fld>
@@ -1409,7 +1409,7 @@
           <p:cNvPr id="6" name="页脚占位符 5">
             <a:extLst>
               <a:ext uri="{FF2B5EF4-FFF2-40B4-BE49-F238E27FC236}">
-                <a16:creationId xmlns:a16="http://schemas.microsoft.com/office/drawing/2014/main" id="{E8EB72D0-D86A-D07F-B2A1-EED57BE0FCF5}"/>
+                <a16:creationId xmlns:a16="http://schemas.microsoft.com/office/drawing/2014/main" id="{4799A27F-F04D-55A9-C978-3AC6E1470E4F}"/>
               </a:ext>
             </a:extLst>
           </p:cNvPr>
@@ -1434,7 +1434,7 @@
           <p:cNvPr id="7" name="灯片编号占位符 6">
             <a:extLst>
               <a:ext uri="{FF2B5EF4-FFF2-40B4-BE49-F238E27FC236}">
-                <a16:creationId xmlns:a16="http://schemas.microsoft.com/office/drawing/2014/main" id="{1B72368F-03D4-C9D8-6E79-297EDBFF71D9}"/>
+                <a16:creationId xmlns:a16="http://schemas.microsoft.com/office/drawing/2014/main" id="{EE450426-D0F4-2852-0A55-5D1F6D286AA6}"/>
               </a:ext>
             </a:extLst>
           </p:cNvPr>
@@ -1450,7 +1450,7 @@
           <a:bodyPr/>
           <a:lstStyle/>
           <a:p>
-            <a:fld id="{CCDA81FF-3ECD-419C-A090-3155376DE690}" type="slidenum">
+            <a:fld id="{A75673DD-E884-4700-919C-43A3AD21E457}" type="slidenum">
               <a:rPr lang="zh-CN" altLang="en-US" smtClean="0"/>
               <a:t>‹#›</a:t>
             </a:fld>
@@ -1461,7 +1461,7 @@
     </p:spTree>
     <p:extLst>
       <p:ext uri="{BB962C8B-B14F-4D97-AF65-F5344CB8AC3E}">
-        <p14:creationId xmlns:p14="http://schemas.microsoft.com/office/powerpoint/2010/main" val="475817383"/>
+        <p14:creationId xmlns:p14="http://schemas.microsoft.com/office/powerpoint/2010/main" val="1043305542"/>
       </p:ext>
     </p:extLst>
   </p:cSld>
@@ -1493,7 +1493,7 @@
           <p:cNvPr id="2" name="标题 1">
             <a:extLst>
               <a:ext uri="{FF2B5EF4-FFF2-40B4-BE49-F238E27FC236}">
-                <a16:creationId xmlns:a16="http://schemas.microsoft.com/office/drawing/2014/main" id="{E850C299-EA3D-710D-FF79-83AC8E70B32E}"/>
+                <a16:creationId xmlns:a16="http://schemas.microsoft.com/office/drawing/2014/main" id="{B2CB8528-5CCB-19FF-E9E1-F3D2D812934C}"/>
               </a:ext>
             </a:extLst>
           </p:cNvPr>
@@ -1526,7 +1526,7 @@
           <p:cNvPr id="3" name="文本占位符 2">
             <a:extLst>
               <a:ext uri="{FF2B5EF4-FFF2-40B4-BE49-F238E27FC236}">
-                <a16:creationId xmlns:a16="http://schemas.microsoft.com/office/drawing/2014/main" id="{E02C5ED0-CD19-5E16-779F-0B6EF7B13A2A}"/>
+                <a16:creationId xmlns:a16="http://schemas.microsoft.com/office/drawing/2014/main" id="{843B9498-E855-265F-9627-9432956F2DB0}"/>
               </a:ext>
             </a:extLst>
           </p:cNvPr>
@@ -1597,7 +1597,7 @@
           <p:cNvPr id="4" name="内容占位符 3">
             <a:extLst>
               <a:ext uri="{FF2B5EF4-FFF2-40B4-BE49-F238E27FC236}">
-                <a16:creationId xmlns:a16="http://schemas.microsoft.com/office/drawing/2014/main" id="{B9156DA4-4561-BA6A-2F4E-C6B1CE687E4B}"/>
+                <a16:creationId xmlns:a16="http://schemas.microsoft.com/office/drawing/2014/main" id="{ECC96F64-3342-7FCC-6A9A-31448B4FE7CF}"/>
               </a:ext>
             </a:extLst>
           </p:cNvPr>
@@ -1659,7 +1659,7 @@
           <p:cNvPr id="5" name="文本占位符 4">
             <a:extLst>
               <a:ext uri="{FF2B5EF4-FFF2-40B4-BE49-F238E27FC236}">
-                <a16:creationId xmlns:a16="http://schemas.microsoft.com/office/drawing/2014/main" id="{61393EE3-546A-7AE5-FCBE-A67300D711CD}"/>
+                <a16:creationId xmlns:a16="http://schemas.microsoft.com/office/drawing/2014/main" id="{04CB5D28-A93C-A193-C6E4-317C77539C4F}"/>
               </a:ext>
             </a:extLst>
           </p:cNvPr>
@@ -1730,7 +1730,7 @@
           <p:cNvPr id="6" name="内容占位符 5">
             <a:extLst>
               <a:ext uri="{FF2B5EF4-FFF2-40B4-BE49-F238E27FC236}">
-                <a16:creationId xmlns:a16="http://schemas.microsoft.com/office/drawing/2014/main" id="{AB97ABA0-2362-13B8-9614-D2ED71C25BEC}"/>
+                <a16:creationId xmlns:a16="http://schemas.microsoft.com/office/drawing/2014/main" id="{8DB77E7B-B1FF-772D-B5FB-50DCF3E38574}"/>
               </a:ext>
             </a:extLst>
           </p:cNvPr>
@@ -1792,7 +1792,7 @@
           <p:cNvPr id="7" name="日期占位符 6">
             <a:extLst>
               <a:ext uri="{FF2B5EF4-FFF2-40B4-BE49-F238E27FC236}">
-                <a16:creationId xmlns:a16="http://schemas.microsoft.com/office/drawing/2014/main" id="{375CA1FE-065A-B594-8733-2F123D23F62E}"/>
+                <a16:creationId xmlns:a16="http://schemas.microsoft.com/office/drawing/2014/main" id="{696B8331-CAC5-3638-88C3-ACB9BC95B893}"/>
               </a:ext>
             </a:extLst>
           </p:cNvPr>
@@ -1808,7 +1808,7 @@
           <a:bodyPr/>
           <a:lstStyle/>
           <a:p>
-            <a:fld id="{FEA857D8-5CD2-4C92-A86D-493E41E57670}" type="datetimeFigureOut">
+            <a:fld id="{E7C6ADCF-9A57-40C4-891B-DA37B1B1CEB4}" type="datetimeFigureOut">
               <a:rPr lang="zh-CN" altLang="en-US" smtClean="0"/>
               <a:t>2024/3/10</a:t>
             </a:fld>
@@ -1821,7 +1821,7 @@
           <p:cNvPr id="8" name="页脚占位符 7">
             <a:extLst>
               <a:ext uri="{FF2B5EF4-FFF2-40B4-BE49-F238E27FC236}">
-                <a16:creationId xmlns:a16="http://schemas.microsoft.com/office/drawing/2014/main" id="{5FA89F3E-6157-F23E-25A1-2C7CF3422270}"/>
+                <a16:creationId xmlns:a16="http://schemas.microsoft.com/office/drawing/2014/main" id="{77EC1CE3-F00C-5148-C9B5-B6529017A63F}"/>
               </a:ext>
             </a:extLst>
           </p:cNvPr>
@@ -1846,7 +1846,7 @@
           <p:cNvPr id="9" name="灯片编号占位符 8">
             <a:extLst>
               <a:ext uri="{FF2B5EF4-FFF2-40B4-BE49-F238E27FC236}">
-                <a16:creationId xmlns:a16="http://schemas.microsoft.com/office/drawing/2014/main" id="{C49CDBC8-77CC-648D-FCB3-FAAD2E1D981E}"/>
+                <a16:creationId xmlns:a16="http://schemas.microsoft.com/office/drawing/2014/main" id="{35090432-87B9-034D-5F1C-0D294FC551EA}"/>
               </a:ext>
             </a:extLst>
           </p:cNvPr>
@@ -1862,7 +1862,7 @@
           <a:bodyPr/>
           <a:lstStyle/>
           <a:p>
-            <a:fld id="{CCDA81FF-3ECD-419C-A090-3155376DE690}" type="slidenum">
+            <a:fld id="{A75673DD-E884-4700-919C-43A3AD21E457}" type="slidenum">
               <a:rPr lang="zh-CN" altLang="en-US" smtClean="0"/>
               <a:t>‹#›</a:t>
             </a:fld>
@@ -1873,7 +1873,7 @@
     </p:spTree>
     <p:extLst>
       <p:ext uri="{BB962C8B-B14F-4D97-AF65-F5344CB8AC3E}">
-        <p14:creationId xmlns:p14="http://schemas.microsoft.com/office/powerpoint/2010/main" val="3681731554"/>
+        <p14:creationId xmlns:p14="http://schemas.microsoft.com/office/powerpoint/2010/main" val="979014079"/>
       </p:ext>
     </p:extLst>
   </p:cSld>
@@ -1905,7 +1905,7 @@
           <p:cNvPr id="2" name="标题 1">
             <a:extLst>
               <a:ext uri="{FF2B5EF4-FFF2-40B4-BE49-F238E27FC236}">
-                <a16:creationId xmlns:a16="http://schemas.microsoft.com/office/drawing/2014/main" id="{B43C1061-935E-FB91-FF95-6F3F6878119D}"/>
+                <a16:creationId xmlns:a16="http://schemas.microsoft.com/office/drawing/2014/main" id="{63B1B96D-6F28-C79F-8C3D-09267E3D66C4}"/>
               </a:ext>
             </a:extLst>
           </p:cNvPr>
@@ -1933,7 +1933,7 @@
           <p:cNvPr id="3" name="日期占位符 2">
             <a:extLst>
               <a:ext uri="{FF2B5EF4-FFF2-40B4-BE49-F238E27FC236}">
-                <a16:creationId xmlns:a16="http://schemas.microsoft.com/office/drawing/2014/main" id="{7F1E0FA6-A6FF-EF5A-7A49-EA9A02C94EDA}"/>
+                <a16:creationId xmlns:a16="http://schemas.microsoft.com/office/drawing/2014/main" id="{02E41FDA-FB55-F5F5-C675-14938953DF7B}"/>
               </a:ext>
             </a:extLst>
           </p:cNvPr>
@@ -1949,7 +1949,7 @@
           <a:bodyPr/>
           <a:lstStyle/>
           <a:p>
-            <a:fld id="{FEA857D8-5CD2-4C92-A86D-493E41E57670}" type="datetimeFigureOut">
+            <a:fld id="{E7C6ADCF-9A57-40C4-891B-DA37B1B1CEB4}" type="datetimeFigureOut">
               <a:rPr lang="zh-CN" altLang="en-US" smtClean="0"/>
               <a:t>2024/3/10</a:t>
             </a:fld>
@@ -1962,7 +1962,7 @@
           <p:cNvPr id="4" name="页脚占位符 3">
             <a:extLst>
               <a:ext uri="{FF2B5EF4-FFF2-40B4-BE49-F238E27FC236}">
-                <a16:creationId xmlns:a16="http://schemas.microsoft.com/office/drawing/2014/main" id="{A87E5402-68A2-1071-3CF4-D36DD4324D4D}"/>
+                <a16:creationId xmlns:a16="http://schemas.microsoft.com/office/drawing/2014/main" id="{EC797F75-F4B8-069B-3168-4EA338B52791}"/>
               </a:ext>
             </a:extLst>
           </p:cNvPr>
@@ -1987,7 +1987,7 @@
           <p:cNvPr id="5" name="灯片编号占位符 4">
             <a:extLst>
               <a:ext uri="{FF2B5EF4-FFF2-40B4-BE49-F238E27FC236}">
-                <a16:creationId xmlns:a16="http://schemas.microsoft.com/office/drawing/2014/main" id="{99A67964-18A3-74DE-63FF-40004D53844A}"/>
+                <a16:creationId xmlns:a16="http://schemas.microsoft.com/office/drawing/2014/main" id="{B7D60646-88DA-DF17-A597-83B53575DA3D}"/>
               </a:ext>
             </a:extLst>
           </p:cNvPr>
@@ -2003,7 +2003,7 @@
           <a:bodyPr/>
           <a:lstStyle/>
           <a:p>
-            <a:fld id="{CCDA81FF-3ECD-419C-A090-3155376DE690}" type="slidenum">
+            <a:fld id="{A75673DD-E884-4700-919C-43A3AD21E457}" type="slidenum">
               <a:rPr lang="zh-CN" altLang="en-US" smtClean="0"/>
               <a:t>‹#›</a:t>
             </a:fld>
@@ -2014,7 +2014,7 @@
     </p:spTree>
     <p:extLst>
       <p:ext uri="{BB962C8B-B14F-4D97-AF65-F5344CB8AC3E}">
-        <p14:creationId xmlns:p14="http://schemas.microsoft.com/office/powerpoint/2010/main" val="144855981"/>
+        <p14:creationId xmlns:p14="http://schemas.microsoft.com/office/powerpoint/2010/main" val="1821662633"/>
       </p:ext>
     </p:extLst>
   </p:cSld>
@@ -2046,7 +2046,7 @@
           <p:cNvPr id="2" name="日期占位符 1">
             <a:extLst>
               <a:ext uri="{FF2B5EF4-FFF2-40B4-BE49-F238E27FC236}">
-                <a16:creationId xmlns:a16="http://schemas.microsoft.com/office/drawing/2014/main" id="{F16C092C-4DAA-CFD7-8ADA-7BB1A10CE261}"/>
+                <a16:creationId xmlns:a16="http://schemas.microsoft.com/office/drawing/2014/main" id="{0DF2CD87-38AC-A099-7540-BD3C34076945}"/>
               </a:ext>
             </a:extLst>
           </p:cNvPr>
@@ -2062,7 +2062,7 @@
           <a:bodyPr/>
           <a:lstStyle/>
           <a:p>
-            <a:fld id="{FEA857D8-5CD2-4C92-A86D-493E41E57670}" type="datetimeFigureOut">
+            <a:fld id="{E7C6ADCF-9A57-40C4-891B-DA37B1B1CEB4}" type="datetimeFigureOut">
               <a:rPr lang="zh-CN" altLang="en-US" smtClean="0"/>
               <a:t>2024/3/10</a:t>
             </a:fld>
@@ -2075,7 +2075,7 @@
           <p:cNvPr id="3" name="页脚占位符 2">
             <a:extLst>
               <a:ext uri="{FF2B5EF4-FFF2-40B4-BE49-F238E27FC236}">
-                <a16:creationId xmlns:a16="http://schemas.microsoft.com/office/drawing/2014/main" id="{8D9F0A4D-A9EE-9A53-E1B6-B211C8E14A83}"/>
+                <a16:creationId xmlns:a16="http://schemas.microsoft.com/office/drawing/2014/main" id="{0150B7A4-7426-0A01-718C-8516E0FAB13D}"/>
               </a:ext>
             </a:extLst>
           </p:cNvPr>
@@ -2100,7 +2100,7 @@
           <p:cNvPr id="4" name="灯片编号占位符 3">
             <a:extLst>
               <a:ext uri="{FF2B5EF4-FFF2-40B4-BE49-F238E27FC236}">
-                <a16:creationId xmlns:a16="http://schemas.microsoft.com/office/drawing/2014/main" id="{E7EA8308-925E-594E-0A62-E9A0E009EA62}"/>
+                <a16:creationId xmlns:a16="http://schemas.microsoft.com/office/drawing/2014/main" id="{9E63C0A4-0DE1-13D5-C63C-52BC99B78503}"/>
               </a:ext>
             </a:extLst>
           </p:cNvPr>
@@ -2116,7 +2116,7 @@
           <a:bodyPr/>
           <a:lstStyle/>
           <a:p>
-            <a:fld id="{CCDA81FF-3ECD-419C-A090-3155376DE690}" type="slidenum">
+            <a:fld id="{A75673DD-E884-4700-919C-43A3AD21E457}" type="slidenum">
               <a:rPr lang="zh-CN" altLang="en-US" smtClean="0"/>
               <a:t>‹#›</a:t>
             </a:fld>
@@ -2127,7 +2127,7 @@
     </p:spTree>
     <p:extLst>
       <p:ext uri="{BB962C8B-B14F-4D97-AF65-F5344CB8AC3E}">
-        <p14:creationId xmlns:p14="http://schemas.microsoft.com/office/powerpoint/2010/main" val="856545502"/>
+        <p14:creationId xmlns:p14="http://schemas.microsoft.com/office/powerpoint/2010/main" val="2053900513"/>
       </p:ext>
     </p:extLst>
   </p:cSld>
@@ -2159,7 +2159,7 @@
           <p:cNvPr id="2" name="标题 1">
             <a:extLst>
               <a:ext uri="{FF2B5EF4-FFF2-40B4-BE49-F238E27FC236}">
-                <a16:creationId xmlns:a16="http://schemas.microsoft.com/office/drawing/2014/main" id="{6166AA84-5E73-C9F3-63EE-BDBD4DA70DCF}"/>
+                <a16:creationId xmlns:a16="http://schemas.microsoft.com/office/drawing/2014/main" id="{70C718CE-037A-02B3-8F63-3F1694A0280B}"/>
               </a:ext>
             </a:extLst>
           </p:cNvPr>
@@ -2196,7 +2196,7 @@
           <p:cNvPr id="3" name="内容占位符 2">
             <a:extLst>
               <a:ext uri="{FF2B5EF4-FFF2-40B4-BE49-F238E27FC236}">
-                <a16:creationId xmlns:a16="http://schemas.microsoft.com/office/drawing/2014/main" id="{B963C306-A54D-4E41-B3EE-C8EB7B154341}"/>
+                <a16:creationId xmlns:a16="http://schemas.microsoft.com/office/drawing/2014/main" id="{80E4BA7C-33A9-57EA-0F5D-9673D50BD859}"/>
               </a:ext>
             </a:extLst>
           </p:cNvPr>
@@ -2286,7 +2286,7 @@
           <p:cNvPr id="4" name="文本占位符 3">
             <a:extLst>
               <a:ext uri="{FF2B5EF4-FFF2-40B4-BE49-F238E27FC236}">
-                <a16:creationId xmlns:a16="http://schemas.microsoft.com/office/drawing/2014/main" id="{E9A31ED8-F57A-B8CC-C986-A397F7C846B5}"/>
+                <a16:creationId xmlns:a16="http://schemas.microsoft.com/office/drawing/2014/main" id="{81AADFF4-B049-E4FE-E5A0-B42E25668F92}"/>
               </a:ext>
             </a:extLst>
           </p:cNvPr>
@@ -2357,7 +2357,7 @@
           <p:cNvPr id="5" name="日期占位符 4">
             <a:extLst>
               <a:ext uri="{FF2B5EF4-FFF2-40B4-BE49-F238E27FC236}">
-                <a16:creationId xmlns:a16="http://schemas.microsoft.com/office/drawing/2014/main" id="{A1C0FE54-8333-7E78-C4D8-01DBA09356AD}"/>
+                <a16:creationId xmlns:a16="http://schemas.microsoft.com/office/drawing/2014/main" id="{C74B7E65-C06F-B305-F03A-49D04B08447E}"/>
               </a:ext>
             </a:extLst>
           </p:cNvPr>
@@ -2373,7 +2373,7 @@
           <a:bodyPr/>
           <a:lstStyle/>
           <a:p>
-            <a:fld id="{FEA857D8-5CD2-4C92-A86D-493E41E57670}" type="datetimeFigureOut">
+            <a:fld id="{E7C6ADCF-9A57-40C4-891B-DA37B1B1CEB4}" type="datetimeFigureOut">
               <a:rPr lang="zh-CN" altLang="en-US" smtClean="0"/>
               <a:t>2024/3/10</a:t>
             </a:fld>
@@ -2386,7 +2386,7 @@
           <p:cNvPr id="6" name="页脚占位符 5">
             <a:extLst>
               <a:ext uri="{FF2B5EF4-FFF2-40B4-BE49-F238E27FC236}">
-                <a16:creationId xmlns:a16="http://schemas.microsoft.com/office/drawing/2014/main" id="{6BA403FB-AC33-2AF6-8502-83F5A3E8EE7D}"/>
+                <a16:creationId xmlns:a16="http://schemas.microsoft.com/office/drawing/2014/main" id="{DB4FE225-AE9A-374B-903D-F06FFBB35FEA}"/>
               </a:ext>
             </a:extLst>
           </p:cNvPr>
@@ -2411,7 +2411,7 @@
           <p:cNvPr id="7" name="灯片编号占位符 6">
             <a:extLst>
               <a:ext uri="{FF2B5EF4-FFF2-40B4-BE49-F238E27FC236}">
-                <a16:creationId xmlns:a16="http://schemas.microsoft.com/office/drawing/2014/main" id="{468ED925-73EF-644D-7F4B-DAFE3EB8D48C}"/>
+                <a16:creationId xmlns:a16="http://schemas.microsoft.com/office/drawing/2014/main" id="{6F910B3E-BA82-88BB-810D-B96A2F938E90}"/>
               </a:ext>
             </a:extLst>
           </p:cNvPr>
@@ -2427,7 +2427,7 @@
           <a:bodyPr/>
           <a:lstStyle/>
           <a:p>
-            <a:fld id="{CCDA81FF-3ECD-419C-A090-3155376DE690}" type="slidenum">
+            <a:fld id="{A75673DD-E884-4700-919C-43A3AD21E457}" type="slidenum">
               <a:rPr lang="zh-CN" altLang="en-US" smtClean="0"/>
               <a:t>‹#›</a:t>
             </a:fld>
@@ -2438,7 +2438,7 @@
     </p:spTree>
     <p:extLst>
       <p:ext uri="{BB962C8B-B14F-4D97-AF65-F5344CB8AC3E}">
-        <p14:creationId xmlns:p14="http://schemas.microsoft.com/office/powerpoint/2010/main" val="2346745496"/>
+        <p14:creationId xmlns:p14="http://schemas.microsoft.com/office/powerpoint/2010/main" val="1316593861"/>
       </p:ext>
     </p:extLst>
   </p:cSld>
@@ -2470,7 +2470,7 @@
           <p:cNvPr id="2" name="标题 1">
             <a:extLst>
               <a:ext uri="{FF2B5EF4-FFF2-40B4-BE49-F238E27FC236}">
-                <a16:creationId xmlns:a16="http://schemas.microsoft.com/office/drawing/2014/main" id="{AD1D8DC9-41C4-1123-7413-D15F2D02FD1A}"/>
+                <a16:creationId xmlns:a16="http://schemas.microsoft.com/office/drawing/2014/main" id="{20CFDC9E-1B22-D1EF-0EB9-285613989226}"/>
               </a:ext>
             </a:extLst>
           </p:cNvPr>
@@ -2507,7 +2507,7 @@
           <p:cNvPr id="3" name="图片占位符 2">
             <a:extLst>
               <a:ext uri="{FF2B5EF4-FFF2-40B4-BE49-F238E27FC236}">
-                <a16:creationId xmlns:a16="http://schemas.microsoft.com/office/drawing/2014/main" id="{DE1F824C-5915-ECDE-FDD1-8E27DBDB3052}"/>
+                <a16:creationId xmlns:a16="http://schemas.microsoft.com/office/drawing/2014/main" id="{EF32EE86-935F-60A2-8C39-07368CC2BD7A}"/>
               </a:ext>
             </a:extLst>
           </p:cNvPr>
@@ -2574,7 +2574,7 @@
           <p:cNvPr id="4" name="文本占位符 3">
             <a:extLst>
               <a:ext uri="{FF2B5EF4-FFF2-40B4-BE49-F238E27FC236}">
-                <a16:creationId xmlns:a16="http://schemas.microsoft.com/office/drawing/2014/main" id="{D1C3B7A4-8D9E-6AA5-BB7E-F24D4F43C7AD}"/>
+                <a16:creationId xmlns:a16="http://schemas.microsoft.com/office/drawing/2014/main" id="{A7B405D5-D744-52E7-958B-248412B2CF7C}"/>
               </a:ext>
             </a:extLst>
           </p:cNvPr>
@@ -2645,7 +2645,7 @@
           <p:cNvPr id="5" name="日期占位符 4">
             <a:extLst>
               <a:ext uri="{FF2B5EF4-FFF2-40B4-BE49-F238E27FC236}">
-                <a16:creationId xmlns:a16="http://schemas.microsoft.com/office/drawing/2014/main" id="{DDED7A22-FA16-DE28-3E68-3226AB692EE5}"/>
+                <a16:creationId xmlns:a16="http://schemas.microsoft.com/office/drawing/2014/main" id="{1D2E857A-3223-713D-A53B-FC25AA310747}"/>
               </a:ext>
             </a:extLst>
           </p:cNvPr>
@@ -2661,7 +2661,7 @@
           <a:bodyPr/>
           <a:lstStyle/>
           <a:p>
-            <a:fld id="{FEA857D8-5CD2-4C92-A86D-493E41E57670}" type="datetimeFigureOut">
+            <a:fld id="{E7C6ADCF-9A57-40C4-891B-DA37B1B1CEB4}" type="datetimeFigureOut">
               <a:rPr lang="zh-CN" altLang="en-US" smtClean="0"/>
               <a:t>2024/3/10</a:t>
             </a:fld>
@@ -2674,7 +2674,7 @@
           <p:cNvPr id="6" name="页脚占位符 5">
             <a:extLst>
               <a:ext uri="{FF2B5EF4-FFF2-40B4-BE49-F238E27FC236}">
-                <a16:creationId xmlns:a16="http://schemas.microsoft.com/office/drawing/2014/main" id="{067205C9-3F11-7A04-804E-883DBA947223}"/>
+                <a16:creationId xmlns:a16="http://schemas.microsoft.com/office/drawing/2014/main" id="{EE521F2A-4EC3-8552-E99B-AF2585EB85EB}"/>
               </a:ext>
             </a:extLst>
           </p:cNvPr>
@@ -2699,7 +2699,7 @@
           <p:cNvPr id="7" name="灯片编号占位符 6">
             <a:extLst>
               <a:ext uri="{FF2B5EF4-FFF2-40B4-BE49-F238E27FC236}">
-                <a16:creationId xmlns:a16="http://schemas.microsoft.com/office/drawing/2014/main" id="{ADF03C8F-0704-814F-73DC-651C9871DDCA}"/>
+                <a16:creationId xmlns:a16="http://schemas.microsoft.com/office/drawing/2014/main" id="{FA6D6722-D755-E22E-B6BB-4200512BEA07}"/>
               </a:ext>
             </a:extLst>
           </p:cNvPr>
@@ -2715,7 +2715,7 @@
           <a:bodyPr/>
           <a:lstStyle/>
           <a:p>
-            <a:fld id="{CCDA81FF-3ECD-419C-A090-3155376DE690}" type="slidenum">
+            <a:fld id="{A75673DD-E884-4700-919C-43A3AD21E457}" type="slidenum">
               <a:rPr lang="zh-CN" altLang="en-US" smtClean="0"/>
               <a:t>‹#›</a:t>
             </a:fld>
@@ -2726,7 +2726,7 @@
     </p:spTree>
     <p:extLst>
       <p:ext uri="{BB962C8B-B14F-4D97-AF65-F5344CB8AC3E}">
-        <p14:creationId xmlns:p14="http://schemas.microsoft.com/office/powerpoint/2010/main" val="2342260166"/>
+        <p14:creationId xmlns:p14="http://schemas.microsoft.com/office/powerpoint/2010/main" val="3571994108"/>
       </p:ext>
     </p:extLst>
   </p:cSld>
@@ -2763,7 +2763,7 @@
           <p:cNvPr id="2" name="标题占位符 1">
             <a:extLst>
               <a:ext uri="{FF2B5EF4-FFF2-40B4-BE49-F238E27FC236}">
-                <a16:creationId xmlns:a16="http://schemas.microsoft.com/office/drawing/2014/main" id="{CFDD0D38-F6BA-B162-44F9-23BF2EA391C6}"/>
+                <a16:creationId xmlns:a16="http://schemas.microsoft.com/office/drawing/2014/main" id="{AC54B7D2-FCEC-0251-5A8E-9AEB09E92949}"/>
               </a:ext>
             </a:extLst>
           </p:cNvPr>
@@ -2801,7 +2801,7 @@
           <p:cNvPr id="3" name="文本占位符 2">
             <a:extLst>
               <a:ext uri="{FF2B5EF4-FFF2-40B4-BE49-F238E27FC236}">
-                <a16:creationId xmlns:a16="http://schemas.microsoft.com/office/drawing/2014/main" id="{EFE11EF9-8AA4-1172-0852-EFE9BCD7639A}"/>
+                <a16:creationId xmlns:a16="http://schemas.microsoft.com/office/drawing/2014/main" id="{0F6519A6-2C3E-44F1-BC8D-6B61F66AFE92}"/>
               </a:ext>
             </a:extLst>
           </p:cNvPr>
@@ -2868,7 +2868,7 @@
           <p:cNvPr id="4" name="日期占位符 3">
             <a:extLst>
               <a:ext uri="{FF2B5EF4-FFF2-40B4-BE49-F238E27FC236}">
-                <a16:creationId xmlns:a16="http://schemas.microsoft.com/office/drawing/2014/main" id="{26DA575C-D1AC-E664-C514-DB643E1755B4}"/>
+                <a16:creationId xmlns:a16="http://schemas.microsoft.com/office/drawing/2014/main" id="{75A77FF2-3AD9-6C50-1C2B-451F02815B24}"/>
               </a:ext>
             </a:extLst>
           </p:cNvPr>
@@ -2902,7 +2902,7 @@
             </a:lvl1pPr>
           </a:lstStyle>
           <a:p>
-            <a:fld id="{FEA857D8-5CD2-4C92-A86D-493E41E57670}" type="datetimeFigureOut">
+            <a:fld id="{E7C6ADCF-9A57-40C4-891B-DA37B1B1CEB4}" type="datetimeFigureOut">
               <a:rPr lang="zh-CN" altLang="en-US" smtClean="0"/>
               <a:t>2024/3/10</a:t>
             </a:fld>
@@ -2915,7 +2915,7 @@
           <p:cNvPr id="5" name="页脚占位符 4">
             <a:extLst>
               <a:ext uri="{FF2B5EF4-FFF2-40B4-BE49-F238E27FC236}">
-                <a16:creationId xmlns:a16="http://schemas.microsoft.com/office/drawing/2014/main" id="{32377C74-6704-5DAD-1E81-7A292D0AEE8B}"/>
+                <a16:creationId xmlns:a16="http://schemas.microsoft.com/office/drawing/2014/main" id="{9A3DCE35-3741-5CDD-D949-361C7EFFF679}"/>
               </a:ext>
             </a:extLst>
           </p:cNvPr>
@@ -2958,7 +2958,7 @@
           <p:cNvPr id="6" name="灯片编号占位符 5">
             <a:extLst>
               <a:ext uri="{FF2B5EF4-FFF2-40B4-BE49-F238E27FC236}">
-                <a16:creationId xmlns:a16="http://schemas.microsoft.com/office/drawing/2014/main" id="{63CB8EE9-06CB-896E-0A6B-52F332689EA9}"/>
+                <a16:creationId xmlns:a16="http://schemas.microsoft.com/office/drawing/2014/main" id="{667682DA-2732-A4C5-83CA-F2572F57D5C1}"/>
               </a:ext>
             </a:extLst>
           </p:cNvPr>
@@ -2992,7 +2992,7 @@
             </a:lvl1pPr>
           </a:lstStyle>
           <a:p>
-            <a:fld id="{CCDA81FF-3ECD-419C-A090-3155376DE690}" type="slidenum">
+            <a:fld id="{A75673DD-E884-4700-919C-43A3AD21E457}" type="slidenum">
               <a:rPr lang="zh-CN" altLang="en-US" smtClean="0"/>
               <a:t>‹#›</a:t>
             </a:fld>
@@ -3003,7 +3003,7 @@
     </p:spTree>
     <p:extLst>
       <p:ext uri="{BB962C8B-B14F-4D97-AF65-F5344CB8AC3E}">
-        <p14:creationId xmlns:p14="http://schemas.microsoft.com/office/powerpoint/2010/main" val="151979310"/>
+        <p14:creationId xmlns:p14="http://schemas.microsoft.com/office/powerpoint/2010/main" val="857975049"/>
       </p:ext>
     </p:extLst>
   </p:cSld>
@@ -3323,7 +3323,7 @@
       </p:grpSpPr>
       <p:pic>
         <p:nvPicPr>
-          <p:cNvPr id="869378" name="Picture 2" descr="848"/>
+          <p:cNvPr id="870402" name="Picture 2" descr="849"/>
           <p:cNvPicPr>
             <a:picLocks noChangeAspect="1" noChangeArrowheads="1"/>
           </p:cNvPicPr>
@@ -3344,8 +3344,8 @@
         </p:blipFill>
         <p:spPr bwMode="auto">
           <a:xfrm>
-            <a:off x="1524000" y="1"/>
-            <a:ext cx="9124950" cy="6843713"/>
+            <a:off x="1524001" y="0"/>
+            <a:ext cx="9053513" cy="6789738"/>
           </a:xfrm>
           <a:prstGeom prst="rect">
             <a:avLst/>
